--- a/PowerPoint Slides/10 - CVM.pptx
+++ b/PowerPoint Slides/10 - CVM.pptx
@@ -40,7 +40,7 @@
     <p:sldId id="289" r:id="rId28"/>
   </p:sldIdLst>
   <p:sldSz cx="9144000" cy="6858000" type="screen4x3"/>
-  <p:notesSz cx="7010400" cy="9296400"/>
+  <p:notesSz cx="7315200" cy="9601200"/>
   <p:defaultTextStyle>
     <a:defPPr>
       <a:defRPr lang="en-US"/>
@@ -183,12 +183,12 @@
     </p:ext>
     <p:ext uri="{2D200454-40CA-4A62-9FC3-DE9A4176ACB9}">
       <p15:notesGuideLst xmlns:p15="http://schemas.microsoft.com/office/powerpoint/2012/main">
-        <p15:guide id="1" orient="horz" pos="2928">
+        <p15:guide id="1" orient="horz" pos="3024" userDrawn="1">
           <p15:clr>
             <a:srgbClr val="A4A3A4"/>
           </p15:clr>
         </p15:guide>
-        <p15:guide id="2" pos="2208">
+        <p15:guide id="2" pos="2304" userDrawn="1">
           <p15:clr>
             <a:srgbClr val="A4A3A4"/>
           </p15:clr>
@@ -236,8 +236,8 @@
         </p:nvSpPr>
         <p:spPr bwMode="auto">
           <a:xfrm>
-            <a:off x="3971925" y="0"/>
-            <a:ext cx="3038475" cy="465138"/>
+            <a:off x="4144618" y="0"/>
+            <a:ext cx="3170583" cy="480388"/>
           </a:xfrm>
           <a:prstGeom prst="rect">
             <a:avLst/>
@@ -252,13 +252,13 @@
           <a:effectLst/>
         </p:spPr>
         <p:txBody>
-          <a:bodyPr vert="horz" wrap="square" lIns="93150" tIns="46574" rIns="93150" bIns="46574" numCol="1" anchor="t" anchorCtr="0" compatLnSpc="1">
+          <a:bodyPr vert="horz" wrap="square" lIns="96624" tIns="48311" rIns="96624" bIns="48311" numCol="1" anchor="t" anchorCtr="0" compatLnSpc="1">
             <a:prstTxWarp prst="textNoShape">
               <a:avLst/>
             </a:prstTxWarp>
           </a:bodyPr>
           <a:lstStyle>
-            <a:lvl1pPr algn="r" defTabSz="931485">
+            <a:lvl1pPr algn="r" defTabSz="966229">
               <a:defRPr sz="1200"/>
             </a:lvl1pPr>
           </a:lstStyle>
@@ -287,8 +287,8 @@
         </p:nvSpPr>
         <p:spPr bwMode="auto">
           <a:xfrm>
-            <a:off x="3971925" y="8831263"/>
-            <a:ext cx="3038475" cy="465137"/>
+            <a:off x="4144618" y="9120813"/>
+            <a:ext cx="3170583" cy="480387"/>
           </a:xfrm>
           <a:prstGeom prst="rect">
             <a:avLst/>
@@ -303,13 +303,13 @@
           <a:effectLst/>
         </p:spPr>
         <p:txBody>
-          <a:bodyPr vert="horz" wrap="square" lIns="93150" tIns="46574" rIns="93150" bIns="46574" numCol="1" anchor="b" anchorCtr="0" compatLnSpc="1">
+          <a:bodyPr vert="horz" wrap="square" lIns="96624" tIns="48311" rIns="96624" bIns="48311" numCol="1" anchor="b" anchorCtr="0" compatLnSpc="1">
             <a:prstTxWarp prst="textNoShape">
               <a:avLst/>
             </a:prstTxWarp>
           </a:bodyPr>
           <a:lstStyle>
-            <a:lvl1pPr algn="r" defTabSz="931485">
+            <a:lvl1pPr algn="r" defTabSz="966229">
               <a:defRPr sz="1200"/>
             </a:lvl1pPr>
           </a:lstStyle>
@@ -388,7 +388,7 @@
         <p:spPr bwMode="auto">
           <a:xfrm>
             <a:off x="0" y="0"/>
-            <a:ext cx="3038475" cy="465138"/>
+            <a:ext cx="3170583" cy="480388"/>
           </a:xfrm>
           <a:prstGeom prst="rect">
             <a:avLst/>
@@ -403,13 +403,13 @@
           <a:effectLst/>
         </p:spPr>
         <p:txBody>
-          <a:bodyPr vert="horz" wrap="square" lIns="93150" tIns="46574" rIns="93150" bIns="46574" numCol="1" anchor="t" anchorCtr="0" compatLnSpc="1">
+          <a:bodyPr vert="horz" wrap="square" lIns="96624" tIns="48311" rIns="96624" bIns="48311" numCol="1" anchor="t" anchorCtr="0" compatLnSpc="1">
             <a:prstTxWarp prst="textNoShape">
               <a:avLst/>
             </a:prstTxWarp>
           </a:bodyPr>
           <a:lstStyle>
-            <a:lvl1pPr algn="l" defTabSz="931485">
+            <a:lvl1pPr algn="l" defTabSz="966229">
               <a:defRPr sz="1200"/>
             </a:lvl1pPr>
           </a:lstStyle>
@@ -436,8 +436,8 @@
         </p:nvSpPr>
         <p:spPr bwMode="auto">
           <a:xfrm>
-            <a:off x="3971925" y="0"/>
-            <a:ext cx="3038475" cy="465138"/>
+            <a:off x="4144618" y="0"/>
+            <a:ext cx="3170583" cy="480388"/>
           </a:xfrm>
           <a:prstGeom prst="rect">
             <a:avLst/>
@@ -452,13 +452,13 @@
           <a:effectLst/>
         </p:spPr>
         <p:txBody>
-          <a:bodyPr vert="horz" wrap="square" lIns="93150" tIns="46574" rIns="93150" bIns="46574" numCol="1" anchor="t" anchorCtr="0" compatLnSpc="1">
+          <a:bodyPr vert="horz" wrap="square" lIns="96624" tIns="48311" rIns="96624" bIns="48311" numCol="1" anchor="t" anchorCtr="0" compatLnSpc="1">
             <a:prstTxWarp prst="textNoShape">
               <a:avLst/>
             </a:prstTxWarp>
           </a:bodyPr>
           <a:lstStyle>
-            <a:lvl1pPr algn="r" defTabSz="931485">
+            <a:lvl1pPr algn="r" defTabSz="966229">
               <a:defRPr sz="1200"/>
             </a:lvl1pPr>
           </a:lstStyle>
@@ -482,8 +482,8 @@
         </p:nvSpPr>
         <p:spPr bwMode="auto">
           <a:xfrm>
-            <a:off x="1181100" y="696913"/>
-            <a:ext cx="4648200" cy="3486150"/>
+            <a:off x="1257300" y="719138"/>
+            <a:ext cx="4800600" cy="3600450"/>
           </a:xfrm>
           <a:prstGeom prst="rect">
             <a:avLst/>
@@ -511,8 +511,8 @@
         </p:nvSpPr>
         <p:spPr bwMode="auto">
           <a:xfrm>
-            <a:off x="935038" y="4416425"/>
-            <a:ext cx="5140325" cy="4183063"/>
+            <a:off x="975693" y="4561226"/>
+            <a:ext cx="5363817" cy="4320213"/>
           </a:xfrm>
           <a:prstGeom prst="rect">
             <a:avLst/>
@@ -527,7 +527,7 @@
           <a:effectLst/>
         </p:spPr>
         <p:txBody>
-          <a:bodyPr vert="horz" wrap="square" lIns="93150" tIns="46574" rIns="93150" bIns="46574" numCol="1" anchor="t" anchorCtr="0" compatLnSpc="1">
+          <a:bodyPr vert="horz" wrap="square" lIns="96624" tIns="48311" rIns="96624" bIns="48311" numCol="1" anchor="t" anchorCtr="0" compatLnSpc="1">
             <a:prstTxWarp prst="textNoShape">
               <a:avLst/>
             </a:prstTxWarp>
@@ -582,8 +582,8 @@
         </p:nvSpPr>
         <p:spPr bwMode="auto">
           <a:xfrm>
-            <a:off x="0" y="8831263"/>
-            <a:ext cx="3038475" cy="465137"/>
+            <a:off x="0" y="9120813"/>
+            <a:ext cx="3170583" cy="480387"/>
           </a:xfrm>
           <a:prstGeom prst="rect">
             <a:avLst/>
@@ -598,13 +598,13 @@
           <a:effectLst/>
         </p:spPr>
         <p:txBody>
-          <a:bodyPr vert="horz" wrap="square" lIns="93150" tIns="46574" rIns="93150" bIns="46574" numCol="1" anchor="b" anchorCtr="0" compatLnSpc="1">
+          <a:bodyPr vert="horz" wrap="square" lIns="96624" tIns="48311" rIns="96624" bIns="48311" numCol="1" anchor="b" anchorCtr="0" compatLnSpc="1">
             <a:prstTxWarp prst="textNoShape">
               <a:avLst/>
             </a:prstTxWarp>
           </a:bodyPr>
           <a:lstStyle>
-            <a:lvl1pPr algn="l" defTabSz="931485">
+            <a:lvl1pPr algn="l" defTabSz="966229">
               <a:defRPr sz="1200"/>
             </a:lvl1pPr>
           </a:lstStyle>
@@ -628,8 +628,8 @@
         </p:nvSpPr>
         <p:spPr bwMode="auto">
           <a:xfrm>
-            <a:off x="3971925" y="8831263"/>
-            <a:ext cx="3038475" cy="465137"/>
+            <a:off x="4144618" y="9120813"/>
+            <a:ext cx="3170583" cy="480387"/>
           </a:xfrm>
           <a:prstGeom prst="rect">
             <a:avLst/>
@@ -644,13 +644,13 @@
           <a:effectLst/>
         </p:spPr>
         <p:txBody>
-          <a:bodyPr vert="horz" wrap="square" lIns="93150" tIns="46574" rIns="93150" bIns="46574" numCol="1" anchor="b" anchorCtr="0" compatLnSpc="1">
+          <a:bodyPr vert="horz" wrap="square" lIns="96624" tIns="48311" rIns="96624" bIns="48311" numCol="1" anchor="b" anchorCtr="0" compatLnSpc="1">
             <a:prstTxWarp prst="textNoShape">
               <a:avLst/>
             </a:prstTxWarp>
           </a:bodyPr>
           <a:lstStyle>
-            <a:lvl1pPr algn="r" defTabSz="931485">
+            <a:lvl1pPr algn="r" defTabSz="966229">
               <a:defRPr sz="1200"/>
             </a:lvl1pPr>
           </a:lstStyle>
@@ -837,7 +837,7 @@
           <a:bodyPr/>
           <a:lstStyle/>
           <a:p>
-            <a:pPr defTabSz="928688"/>
+            <a:pPr defTabSz="963328"/>
             <a:r>
               <a:rPr lang="en-US" dirty="0"/>
               <a:t>CVM</a:t>
@@ -862,10 +862,10 @@
           <a:bodyPr/>
           <a:lstStyle/>
           <a:p>
-            <a:pPr defTabSz="928688"/>
+            <a:pPr defTabSz="963328"/>
             <a:fld id="{4FC695DA-6273-4691-88D5-9D501ACE13A2}" type="slidenum">
               <a:rPr lang="en-US" smtClean="0"/>
-              <a:pPr defTabSz="928688"/>
+              <a:pPr defTabSz="963328"/>
               <a:t>1</a:t>
             </a:fld>
             <a:endParaRPr lang="en-US" dirty="0"/>
@@ -10776,7 +10776,18 @@
               <a:rPr lang="en-US" dirty="0">
                 <a:cs typeface="Arial" pitchFamily="34" charset="0"/>
               </a:rPr>
-              <a:t>has 4 internal or special purpose registers, but no general purpose registers</a:t>
+              <a:t>has 4 internal or special-purpose registers, but no</a:t>
+            </a:r>
+            <a:br>
+              <a:rPr lang="en-US" dirty="0">
+                <a:cs typeface="Arial" pitchFamily="34" charset="0"/>
+              </a:rPr>
+            </a:br>
+            <a:r>
+              <a:rPr lang="en-US" dirty="0">
+                <a:cs typeface="Arial" pitchFamily="34" charset="0"/>
+              </a:rPr>
+              <a:t>general-purpose registers</a:t>
             </a:r>
           </a:p>
           <a:p>

--- a/PowerPoint Slides/10 - CVM.pptx
+++ b/PowerPoint Slides/10 - CVM.pptx
@@ -9106,10 +9106,10 @@
       </p:sp>
       <p:grpSp>
         <p:nvGrpSpPr>
-          <p:cNvPr id="10" name="Group 9">
+          <p:cNvPr id="3" name="Group 2">
             <a:extLst>
               <a:ext uri="{FF2B5EF4-FFF2-40B4-BE49-F238E27FC236}">
-                <a16:creationId xmlns:a16="http://schemas.microsoft.com/office/drawing/2014/main" id="{B9E0D969-7059-4BC1-9D33-1F9B63DA8B10}"/>
+                <a16:creationId xmlns:a16="http://schemas.microsoft.com/office/drawing/2014/main" id="{9F2AB4BD-73DD-4267-9120-A4FA0EC125B6}"/>
               </a:ext>
             </a:extLst>
           </p:cNvPr>
@@ -9118,10 +9118,10 @@
         </p:nvGrpSpPr>
         <p:grpSpPr>
           <a:xfrm>
-            <a:off x="1676400" y="1981200"/>
-            <a:ext cx="4419600" cy="4023360"/>
-            <a:chOff x="1676400" y="1981200"/>
-            <a:chExt cx="4419600" cy="4023360"/>
+            <a:off x="1676400" y="1877696"/>
+            <a:ext cx="6009267" cy="4126864"/>
+            <a:chOff x="1676400" y="1877696"/>
+            <a:chExt cx="6009267" cy="4126864"/>
           </a:xfrm>
         </p:grpSpPr>
         <p:sp>
@@ -9185,7 +9185,7 @@
           </p:nvSpPr>
           <p:spPr>
             <a:xfrm>
-              <a:off x="1893570" y="3300413"/>
+              <a:off x="1893570" y="3124200"/>
               <a:ext cx="1402948" cy="646331"/>
             </a:xfrm>
             <a:prstGeom prst="rect">
@@ -9269,8 +9269,8 @@
           </p:nvCxnSpPr>
           <p:spPr bwMode="auto">
             <a:xfrm>
-              <a:off x="2595044" y="3946744"/>
-              <a:ext cx="0" cy="1737776"/>
+              <a:off x="2595044" y="3770531"/>
+              <a:ext cx="0" cy="1913989"/>
             </a:xfrm>
             <a:prstGeom prst="straightConnector1">
               <a:avLst/>
@@ -9811,6 +9811,92 @@
             <a:effectLst/>
           </p:spPr>
         </p:cxnSp>
+        <p:sp>
+          <p:nvSpPr>
+            <p:cNvPr id="25" name="TextBox 24">
+              <a:extLst>
+                <a:ext uri="{FF2B5EF4-FFF2-40B4-BE49-F238E27FC236}">
+                  <a16:creationId xmlns:a16="http://schemas.microsoft.com/office/drawing/2014/main" id="{67925459-FD3C-4AAB-A53F-5E490597C6B4}"/>
+                </a:ext>
+              </a:extLst>
+            </p:cNvPr>
+            <p:cNvSpPr txBox="1"/>
+            <p:nvPr/>
+          </p:nvSpPr>
+          <p:spPr>
+            <a:xfrm>
+              <a:off x="5791200" y="3124200"/>
+              <a:ext cx="1685077" cy="646331"/>
+            </a:xfrm>
+            <a:prstGeom prst="rect">
+              <a:avLst/>
+            </a:prstGeom>
+            <a:noFill/>
+          </p:spPr>
+          <p:txBody>
+            <a:bodyPr wrap="none" rtlCol="0">
+              <a:spAutoFit/>
+            </a:bodyPr>
+            <a:lstStyle/>
+            <a:p>
+              <a:pPr algn="l"/>
+              <a:r>
+                <a:rPr lang="en-US" sz="1800" dirty="0"/>
+                <a:t>temporary part</a:t>
+              </a:r>
+            </a:p>
+            <a:p>
+              <a:pPr algn="l"/>
+              <a:r>
+                <a:rPr lang="en-US" sz="1800" dirty="0"/>
+                <a:t>is empty</a:t>
+              </a:r>
+            </a:p>
+          </p:txBody>
+        </p:sp>
+        <p:sp>
+          <p:nvSpPr>
+            <p:cNvPr id="26" name="TextBox 25">
+              <a:extLst>
+                <a:ext uri="{FF2B5EF4-FFF2-40B4-BE49-F238E27FC236}">
+                  <a16:creationId xmlns:a16="http://schemas.microsoft.com/office/drawing/2014/main" id="{37BF265A-5500-42CD-B280-3196C06F7226}"/>
+                </a:ext>
+              </a:extLst>
+            </p:cNvPr>
+            <p:cNvSpPr txBox="1"/>
+            <p:nvPr/>
+          </p:nvSpPr>
+          <p:spPr>
+            <a:xfrm>
+              <a:off x="6346839" y="1877696"/>
+              <a:ext cx="1338828" cy="646331"/>
+            </a:xfrm>
+            <a:prstGeom prst="rect">
+              <a:avLst/>
+            </a:prstGeom>
+            <a:noFill/>
+          </p:spPr>
+          <p:txBody>
+            <a:bodyPr wrap="none" rtlCol="0">
+              <a:spAutoFit/>
+            </a:bodyPr>
+            <a:lstStyle/>
+            <a:p>
+              <a:pPr algn="l"/>
+              <a:r>
+                <a:rPr lang="en-US" sz="1800" dirty="0"/>
+                <a:t>value of x</a:t>
+              </a:r>
+            </a:p>
+            <a:p>
+              <a:pPr algn="l"/>
+              <a:r>
+                <a:rPr lang="en-US" sz="1800" dirty="0"/>
+                <a:t>is unknown</a:t>
+              </a:r>
+            </a:p>
+          </p:txBody>
+        </p:sp>
       </p:grpSp>
     </p:spTree>
     <p:extLst>
@@ -9961,10 +10047,10 @@
       </p:sp>
       <p:grpSp>
         <p:nvGrpSpPr>
-          <p:cNvPr id="8" name="Group 7">
+          <p:cNvPr id="5" name="Group 4">
             <a:extLst>
               <a:ext uri="{FF2B5EF4-FFF2-40B4-BE49-F238E27FC236}">
-                <a16:creationId xmlns:a16="http://schemas.microsoft.com/office/drawing/2014/main" id="{DF7755C5-D692-449C-98FE-DFDF465D3DCD}"/>
+                <a16:creationId xmlns:a16="http://schemas.microsoft.com/office/drawing/2014/main" id="{F1FD2248-2BA5-4470-AB7C-25B59C1FD203}"/>
               </a:ext>
             </a:extLst>
           </p:cNvPr>
@@ -9974,9 +10060,9 @@
         <p:grpSpPr>
           <a:xfrm>
             <a:off x="1676400" y="1981200"/>
-            <a:ext cx="4419600" cy="4023360"/>
+            <a:ext cx="6019800" cy="4023360"/>
             <a:chOff x="1676400" y="1981200"/>
-            <a:chExt cx="4419600" cy="4023360"/>
+            <a:chExt cx="6019800" cy="4023360"/>
           </a:xfrm>
         </p:grpSpPr>
         <p:sp>
@@ -10271,7 +10357,7 @@
           </p:nvSpPr>
           <p:spPr>
             <a:xfrm>
-              <a:off x="5791200" y="1986915"/>
+              <a:off x="5793559" y="1986915"/>
               <a:ext cx="300083" cy="369332"/>
             </a:xfrm>
             <a:prstGeom prst="rect">
@@ -10306,7 +10392,7 @@
           </p:nvSpPr>
           <p:spPr>
             <a:xfrm>
-              <a:off x="5795918" y="2357846"/>
+              <a:off x="5793559" y="2357846"/>
               <a:ext cx="300082" cy="369332"/>
             </a:xfrm>
             <a:prstGeom prst="rect">
@@ -10341,7 +10427,7 @@
           </p:nvSpPr>
           <p:spPr>
             <a:xfrm>
-              <a:off x="5795918" y="2733012"/>
+              <a:off x="5793559" y="2733012"/>
               <a:ext cx="300082" cy="369332"/>
             </a:xfrm>
             <a:prstGeom prst="rect">
@@ -10580,6 +10666,110 @@
               <a:r>
                 <a:rPr lang="en-US" sz="1800" dirty="0"/>
                 <a:t>112</a:t>
+              </a:r>
+            </a:p>
+          </p:txBody>
+        </p:sp>
+        <p:sp>
+          <p:nvSpPr>
+            <p:cNvPr id="24" name="Right Brace 23">
+              <a:extLst>
+                <a:ext uri="{FF2B5EF4-FFF2-40B4-BE49-F238E27FC236}">
+                  <a16:creationId xmlns:a16="http://schemas.microsoft.com/office/drawing/2014/main" id="{2770F285-E2D7-41C0-A0D8-400E207D6C00}"/>
+                </a:ext>
+              </a:extLst>
+            </p:cNvPr>
+            <p:cNvSpPr/>
+            <p:nvPr/>
+          </p:nvSpPr>
+          <p:spPr bwMode="auto">
+            <a:xfrm>
+              <a:off x="5867400" y="3080450"/>
+              <a:ext cx="152400" cy="369332"/>
+            </a:xfrm>
+            <a:prstGeom prst="rightBrace">
+              <a:avLst/>
+            </a:prstGeom>
+            <a:noFill/>
+            <a:ln w="9525" cap="flat" cmpd="sng" algn="ctr">
+              <a:solidFill>
+                <a:schemeClr val="tx1"/>
+              </a:solidFill>
+              <a:prstDash val="solid"/>
+              <a:round/>
+              <a:headEnd type="none" w="med" len="med"/>
+              <a:tailEnd type="none" w="med" len="med"/>
+            </a:ln>
+            <a:effectLst/>
+          </p:spPr>
+          <p:txBody>
+            <a:bodyPr vert="horz" wrap="none" lIns="92075" tIns="46038" rIns="92075" bIns="46038" numCol="1" rtlCol="0" anchor="ctr" anchorCtr="0" compatLnSpc="1">
+              <a:prstTxWarp prst="textNoShape">
+                <a:avLst/>
+              </a:prstTxWarp>
+            </a:bodyPr>
+            <a:lstStyle/>
+            <a:p>
+              <a:pPr marL="0" marR="0" indent="0" algn="ctr" defTabSz="914400" rtl="0" eaLnBrk="0" fontAlgn="base" latinLnBrk="0" hangingPunct="0">
+                <a:lnSpc>
+                  <a:spcPct val="100000"/>
+                </a:lnSpc>
+                <a:spcBef>
+                  <a:spcPct val="0"/>
+                </a:spcBef>
+                <a:spcAft>
+                  <a:spcPct val="0"/>
+                </a:spcAft>
+                <a:buClrTx/>
+                <a:buSzTx/>
+                <a:buFontTx/>
+                <a:buNone/>
+                <a:tabLst/>
+              </a:pPr>
+              <a:endParaRPr kumimoji="0" lang="en-US" sz="2400" b="0" i="0" u="none" strike="noStrike" cap="none" normalizeH="0" baseline="0">
+                <a:ln>
+                  <a:noFill/>
+                </a:ln>
+                <a:solidFill>
+                  <a:schemeClr val="tx1"/>
+                </a:solidFill>
+                <a:effectLst/>
+                <a:latin typeface="Arial" charset="0"/>
+              </a:endParaRPr>
+            </a:p>
+          </p:txBody>
+        </p:sp>
+        <p:sp>
+          <p:nvSpPr>
+            <p:cNvPr id="25" name="TextBox 24">
+              <a:extLst>
+                <a:ext uri="{FF2B5EF4-FFF2-40B4-BE49-F238E27FC236}">
+                  <a16:creationId xmlns:a16="http://schemas.microsoft.com/office/drawing/2014/main" id="{73A53278-1BAE-4620-94DA-F5DFC10A33BC}"/>
+                </a:ext>
+              </a:extLst>
+            </p:cNvPr>
+            <p:cNvSpPr txBox="1"/>
+            <p:nvPr/>
+          </p:nvSpPr>
+          <p:spPr>
+            <a:xfrm>
+              <a:off x="6011123" y="3080450"/>
+              <a:ext cx="1685077" cy="369332"/>
+            </a:xfrm>
+            <a:prstGeom prst="rect">
+              <a:avLst/>
+            </a:prstGeom>
+            <a:noFill/>
+          </p:spPr>
+          <p:txBody>
+            <a:bodyPr wrap="none" rtlCol="0">
+              <a:spAutoFit/>
+            </a:bodyPr>
+            <a:lstStyle/>
+            <a:p>
+              <a:r>
+                <a:rPr lang="en-US" sz="1800" dirty="0"/>
+                <a:t>temporary part</a:t>
               </a:r>
             </a:p>
           </p:txBody>
@@ -10952,10 +11142,10 @@
       </p:sp>
       <p:grpSp>
         <p:nvGrpSpPr>
-          <p:cNvPr id="20" name="Group 19">
+          <p:cNvPr id="3" name="Group 2">
             <a:extLst>
               <a:ext uri="{FF2B5EF4-FFF2-40B4-BE49-F238E27FC236}">
-                <a16:creationId xmlns:a16="http://schemas.microsoft.com/office/drawing/2014/main" id="{F5D32C62-B125-4EC9-B3D5-CC4281CAC50A}"/>
+                <a16:creationId xmlns:a16="http://schemas.microsoft.com/office/drawing/2014/main" id="{B7F3A6BE-238D-45BB-BB68-9FCD04985499}"/>
               </a:ext>
             </a:extLst>
           </p:cNvPr>
@@ -10965,9 +11155,9 @@
         <p:grpSpPr>
           <a:xfrm>
             <a:off x="1676400" y="1981200"/>
-            <a:ext cx="4419600" cy="4023360"/>
+            <a:ext cx="6019800" cy="4023360"/>
             <a:chOff x="1676400" y="1981200"/>
-            <a:chExt cx="4419600" cy="4023360"/>
+            <a:chExt cx="6019800" cy="4023360"/>
           </a:xfrm>
         </p:grpSpPr>
         <p:sp>
@@ -11653,6 +11843,110 @@
             <a:effectLst/>
           </p:spPr>
         </p:cxnSp>
+        <p:sp>
+          <p:nvSpPr>
+            <p:cNvPr id="27" name="Right Brace 26">
+              <a:extLst>
+                <a:ext uri="{FF2B5EF4-FFF2-40B4-BE49-F238E27FC236}">
+                  <a16:creationId xmlns:a16="http://schemas.microsoft.com/office/drawing/2014/main" id="{3C431937-A267-4E65-8F1F-71F1DE133CF4}"/>
+                </a:ext>
+              </a:extLst>
+            </p:cNvPr>
+            <p:cNvSpPr/>
+            <p:nvPr/>
+          </p:nvSpPr>
+          <p:spPr bwMode="auto">
+            <a:xfrm>
+              <a:off x="5867400" y="3080450"/>
+              <a:ext cx="152400" cy="731520"/>
+            </a:xfrm>
+            <a:prstGeom prst="rightBrace">
+              <a:avLst/>
+            </a:prstGeom>
+            <a:noFill/>
+            <a:ln w="9525" cap="flat" cmpd="sng" algn="ctr">
+              <a:solidFill>
+                <a:schemeClr val="tx1"/>
+              </a:solidFill>
+              <a:prstDash val="solid"/>
+              <a:round/>
+              <a:headEnd type="none" w="med" len="med"/>
+              <a:tailEnd type="none" w="med" len="med"/>
+            </a:ln>
+            <a:effectLst/>
+          </p:spPr>
+          <p:txBody>
+            <a:bodyPr vert="horz" wrap="none" lIns="92075" tIns="46038" rIns="92075" bIns="46038" numCol="1" rtlCol="0" anchor="ctr" anchorCtr="0" compatLnSpc="1">
+              <a:prstTxWarp prst="textNoShape">
+                <a:avLst/>
+              </a:prstTxWarp>
+            </a:bodyPr>
+            <a:lstStyle/>
+            <a:p>
+              <a:pPr marL="0" marR="0" indent="0" algn="ctr" defTabSz="914400" rtl="0" eaLnBrk="0" fontAlgn="base" latinLnBrk="0" hangingPunct="0">
+                <a:lnSpc>
+                  <a:spcPct val="100000"/>
+                </a:lnSpc>
+                <a:spcBef>
+                  <a:spcPct val="0"/>
+                </a:spcBef>
+                <a:spcAft>
+                  <a:spcPct val="0"/>
+                </a:spcAft>
+                <a:buClrTx/>
+                <a:buSzTx/>
+                <a:buFontTx/>
+                <a:buNone/>
+                <a:tabLst/>
+              </a:pPr>
+              <a:endParaRPr kumimoji="0" lang="en-US" sz="2400" b="0" i="0" u="none" strike="noStrike" cap="none" normalizeH="0" baseline="0">
+                <a:ln>
+                  <a:noFill/>
+                </a:ln>
+                <a:solidFill>
+                  <a:schemeClr val="tx1"/>
+                </a:solidFill>
+                <a:effectLst/>
+                <a:latin typeface="Arial" charset="0"/>
+              </a:endParaRPr>
+            </a:p>
+          </p:txBody>
+        </p:sp>
+        <p:sp>
+          <p:nvSpPr>
+            <p:cNvPr id="28" name="TextBox 27">
+              <a:extLst>
+                <a:ext uri="{FF2B5EF4-FFF2-40B4-BE49-F238E27FC236}">
+                  <a16:creationId xmlns:a16="http://schemas.microsoft.com/office/drawing/2014/main" id="{9BD300A6-8E24-4C77-9AA9-1985101F43B6}"/>
+                </a:ext>
+              </a:extLst>
+            </p:cNvPr>
+            <p:cNvSpPr txBox="1"/>
+            <p:nvPr/>
+          </p:nvSpPr>
+          <p:spPr>
+            <a:xfrm>
+              <a:off x="6011123" y="3261544"/>
+              <a:ext cx="1685077" cy="369332"/>
+            </a:xfrm>
+            <a:prstGeom prst="rect">
+              <a:avLst/>
+            </a:prstGeom>
+            <a:noFill/>
+          </p:spPr>
+          <p:txBody>
+            <a:bodyPr wrap="none" rtlCol="0">
+              <a:spAutoFit/>
+            </a:bodyPr>
+            <a:lstStyle/>
+            <a:p>
+              <a:r>
+                <a:rPr lang="en-US" sz="1800" dirty="0"/>
+                <a:t>temporary part</a:t>
+              </a:r>
+            </a:p>
+          </p:txBody>
+        </p:sp>
       </p:grpSp>
     </p:spTree>
     <p:extLst>
@@ -11803,10 +12097,10 @@
       </p:sp>
       <p:grpSp>
         <p:nvGrpSpPr>
-          <p:cNvPr id="7" name="Group 6">
+          <p:cNvPr id="3" name="Group 2">
             <a:extLst>
               <a:ext uri="{FF2B5EF4-FFF2-40B4-BE49-F238E27FC236}">
-                <a16:creationId xmlns:a16="http://schemas.microsoft.com/office/drawing/2014/main" id="{50D95A41-B876-4D61-B7C8-BEB6BBE12DA1}"/>
+                <a16:creationId xmlns:a16="http://schemas.microsoft.com/office/drawing/2014/main" id="{F20D00B3-416E-4D26-8580-AFCE491A25AE}"/>
               </a:ext>
             </a:extLst>
           </p:cNvPr>
@@ -11816,9 +12110,9 @@
         <p:grpSpPr>
           <a:xfrm>
             <a:off x="1676400" y="1981200"/>
-            <a:ext cx="4419600" cy="4023360"/>
+            <a:ext cx="6019800" cy="4023360"/>
             <a:chOff x="1676400" y="1981200"/>
-            <a:chExt cx="4419600" cy="4023360"/>
+            <a:chExt cx="6019800" cy="4023360"/>
           </a:xfrm>
         </p:grpSpPr>
         <p:sp>
@@ -12582,6 +12876,110 @@
             <a:effectLst/>
           </p:spPr>
         </p:cxnSp>
+        <p:sp>
+          <p:nvSpPr>
+            <p:cNvPr id="31" name="Right Brace 30">
+              <a:extLst>
+                <a:ext uri="{FF2B5EF4-FFF2-40B4-BE49-F238E27FC236}">
+                  <a16:creationId xmlns:a16="http://schemas.microsoft.com/office/drawing/2014/main" id="{B7B426D5-2208-4A68-9740-59E4AF708246}"/>
+                </a:ext>
+              </a:extLst>
+            </p:cNvPr>
+            <p:cNvSpPr/>
+            <p:nvPr/>
+          </p:nvSpPr>
+          <p:spPr bwMode="auto">
+            <a:xfrm>
+              <a:off x="5867400" y="3080450"/>
+              <a:ext cx="152400" cy="1097280"/>
+            </a:xfrm>
+            <a:prstGeom prst="rightBrace">
+              <a:avLst/>
+            </a:prstGeom>
+            <a:noFill/>
+            <a:ln w="9525" cap="flat" cmpd="sng" algn="ctr">
+              <a:solidFill>
+                <a:schemeClr val="tx1"/>
+              </a:solidFill>
+              <a:prstDash val="solid"/>
+              <a:round/>
+              <a:headEnd type="none" w="med" len="med"/>
+              <a:tailEnd type="none" w="med" len="med"/>
+            </a:ln>
+            <a:effectLst/>
+          </p:spPr>
+          <p:txBody>
+            <a:bodyPr vert="horz" wrap="none" lIns="92075" tIns="46038" rIns="92075" bIns="46038" numCol="1" rtlCol="0" anchor="ctr" anchorCtr="0" compatLnSpc="1">
+              <a:prstTxWarp prst="textNoShape">
+                <a:avLst/>
+              </a:prstTxWarp>
+            </a:bodyPr>
+            <a:lstStyle/>
+            <a:p>
+              <a:pPr marL="0" marR="0" indent="0" algn="ctr" defTabSz="914400" rtl="0" eaLnBrk="0" fontAlgn="base" latinLnBrk="0" hangingPunct="0">
+                <a:lnSpc>
+                  <a:spcPct val="100000"/>
+                </a:lnSpc>
+                <a:spcBef>
+                  <a:spcPct val="0"/>
+                </a:spcBef>
+                <a:spcAft>
+                  <a:spcPct val="0"/>
+                </a:spcAft>
+                <a:buClrTx/>
+                <a:buSzTx/>
+                <a:buFontTx/>
+                <a:buNone/>
+                <a:tabLst/>
+              </a:pPr>
+              <a:endParaRPr kumimoji="0" lang="en-US" sz="2400" b="0" i="0" u="none" strike="noStrike" cap="none" normalizeH="0" baseline="0">
+                <a:ln>
+                  <a:noFill/>
+                </a:ln>
+                <a:solidFill>
+                  <a:schemeClr val="tx1"/>
+                </a:solidFill>
+                <a:effectLst/>
+                <a:latin typeface="Arial" charset="0"/>
+              </a:endParaRPr>
+            </a:p>
+          </p:txBody>
+        </p:sp>
+        <p:sp>
+          <p:nvSpPr>
+            <p:cNvPr id="32" name="TextBox 31">
+              <a:extLst>
+                <a:ext uri="{FF2B5EF4-FFF2-40B4-BE49-F238E27FC236}">
+                  <a16:creationId xmlns:a16="http://schemas.microsoft.com/office/drawing/2014/main" id="{EFB6FF60-19BC-4105-BB1A-AF77A9CC7E7D}"/>
+                </a:ext>
+              </a:extLst>
+            </p:cNvPr>
+            <p:cNvSpPr txBox="1"/>
+            <p:nvPr/>
+          </p:nvSpPr>
+          <p:spPr>
+            <a:xfrm>
+              <a:off x="6011123" y="3444424"/>
+              <a:ext cx="1685077" cy="369332"/>
+            </a:xfrm>
+            <a:prstGeom prst="rect">
+              <a:avLst/>
+            </a:prstGeom>
+            <a:noFill/>
+          </p:spPr>
+          <p:txBody>
+            <a:bodyPr wrap="none" rtlCol="0">
+              <a:spAutoFit/>
+            </a:bodyPr>
+            <a:lstStyle/>
+            <a:p>
+              <a:r>
+                <a:rPr lang="en-US" sz="1800" dirty="0"/>
+                <a:t>temporary part</a:t>
+              </a:r>
+            </a:p>
+          </p:txBody>
+        </p:sp>
       </p:grpSp>
     </p:spTree>
     <p:extLst>
@@ -12732,10 +13130,10 @@
       </p:sp>
       <p:grpSp>
         <p:nvGrpSpPr>
-          <p:cNvPr id="7" name="Group 6">
+          <p:cNvPr id="3" name="Group 2">
             <a:extLst>
               <a:ext uri="{FF2B5EF4-FFF2-40B4-BE49-F238E27FC236}">
-                <a16:creationId xmlns:a16="http://schemas.microsoft.com/office/drawing/2014/main" id="{27D29FF3-431B-4D1D-9587-18D0DF6FD9F0}"/>
+                <a16:creationId xmlns:a16="http://schemas.microsoft.com/office/drawing/2014/main" id="{048AC349-9E82-4EE0-827C-19D82A50A3F9}"/>
               </a:ext>
             </a:extLst>
           </p:cNvPr>
@@ -12745,9 +13143,9 @@
         <p:grpSpPr>
           <a:xfrm>
             <a:off x="1676400" y="1981200"/>
-            <a:ext cx="4419600" cy="4023360"/>
+            <a:ext cx="6019800" cy="4023360"/>
             <a:chOff x="1676400" y="1981200"/>
-            <a:chExt cx="4419600" cy="4023360"/>
+            <a:chExt cx="6019800" cy="4023360"/>
           </a:xfrm>
         </p:grpSpPr>
         <p:sp>
@@ -13511,6 +13909,110 @@
             <a:effectLst/>
           </p:spPr>
         </p:cxnSp>
+        <p:sp>
+          <p:nvSpPr>
+            <p:cNvPr id="31" name="Right Brace 30">
+              <a:extLst>
+                <a:ext uri="{FF2B5EF4-FFF2-40B4-BE49-F238E27FC236}">
+                  <a16:creationId xmlns:a16="http://schemas.microsoft.com/office/drawing/2014/main" id="{AB6DB393-1A1D-40E6-9323-6D59B9AD4553}"/>
+                </a:ext>
+              </a:extLst>
+            </p:cNvPr>
+            <p:cNvSpPr/>
+            <p:nvPr/>
+          </p:nvSpPr>
+          <p:spPr bwMode="auto">
+            <a:xfrm>
+              <a:off x="5867400" y="3080450"/>
+              <a:ext cx="152400" cy="1097280"/>
+            </a:xfrm>
+            <a:prstGeom prst="rightBrace">
+              <a:avLst/>
+            </a:prstGeom>
+            <a:noFill/>
+            <a:ln w="9525" cap="flat" cmpd="sng" algn="ctr">
+              <a:solidFill>
+                <a:schemeClr val="tx1"/>
+              </a:solidFill>
+              <a:prstDash val="solid"/>
+              <a:round/>
+              <a:headEnd type="none" w="med" len="med"/>
+              <a:tailEnd type="none" w="med" len="med"/>
+            </a:ln>
+            <a:effectLst/>
+          </p:spPr>
+          <p:txBody>
+            <a:bodyPr vert="horz" wrap="none" lIns="92075" tIns="46038" rIns="92075" bIns="46038" numCol="1" rtlCol="0" anchor="ctr" anchorCtr="0" compatLnSpc="1">
+              <a:prstTxWarp prst="textNoShape">
+                <a:avLst/>
+              </a:prstTxWarp>
+            </a:bodyPr>
+            <a:lstStyle/>
+            <a:p>
+              <a:pPr marL="0" marR="0" indent="0" algn="ctr" defTabSz="914400" rtl="0" eaLnBrk="0" fontAlgn="base" latinLnBrk="0" hangingPunct="0">
+                <a:lnSpc>
+                  <a:spcPct val="100000"/>
+                </a:lnSpc>
+                <a:spcBef>
+                  <a:spcPct val="0"/>
+                </a:spcBef>
+                <a:spcAft>
+                  <a:spcPct val="0"/>
+                </a:spcAft>
+                <a:buClrTx/>
+                <a:buSzTx/>
+                <a:buFontTx/>
+                <a:buNone/>
+                <a:tabLst/>
+              </a:pPr>
+              <a:endParaRPr kumimoji="0" lang="en-US" sz="2400" b="0" i="0" u="none" strike="noStrike" cap="none" normalizeH="0" baseline="0">
+                <a:ln>
+                  <a:noFill/>
+                </a:ln>
+                <a:solidFill>
+                  <a:schemeClr val="tx1"/>
+                </a:solidFill>
+                <a:effectLst/>
+                <a:latin typeface="Arial" charset="0"/>
+              </a:endParaRPr>
+            </a:p>
+          </p:txBody>
+        </p:sp>
+        <p:sp>
+          <p:nvSpPr>
+            <p:cNvPr id="32" name="TextBox 31">
+              <a:extLst>
+                <a:ext uri="{FF2B5EF4-FFF2-40B4-BE49-F238E27FC236}">
+                  <a16:creationId xmlns:a16="http://schemas.microsoft.com/office/drawing/2014/main" id="{67EAA9BC-6691-43FB-8AF6-71B768CE5A14}"/>
+                </a:ext>
+              </a:extLst>
+            </p:cNvPr>
+            <p:cNvSpPr txBox="1"/>
+            <p:nvPr/>
+          </p:nvSpPr>
+          <p:spPr>
+            <a:xfrm>
+              <a:off x="6011123" y="3444424"/>
+              <a:ext cx="1685077" cy="369332"/>
+            </a:xfrm>
+            <a:prstGeom prst="rect">
+              <a:avLst/>
+            </a:prstGeom>
+            <a:noFill/>
+          </p:spPr>
+          <p:txBody>
+            <a:bodyPr wrap="none" rtlCol="0">
+              <a:spAutoFit/>
+            </a:bodyPr>
+            <a:lstStyle/>
+            <a:p>
+              <a:r>
+                <a:rPr lang="en-US" sz="1800" dirty="0"/>
+                <a:t>temporary part</a:t>
+              </a:r>
+            </a:p>
+          </p:txBody>
+        </p:sp>
       </p:grpSp>
     </p:spTree>
     <p:extLst>
@@ -13661,10 +14163,10 @@
       </p:sp>
       <p:grpSp>
         <p:nvGrpSpPr>
-          <p:cNvPr id="8" name="Group 7">
+          <p:cNvPr id="3" name="Group 2">
             <a:extLst>
               <a:ext uri="{FF2B5EF4-FFF2-40B4-BE49-F238E27FC236}">
-                <a16:creationId xmlns:a16="http://schemas.microsoft.com/office/drawing/2014/main" id="{42465284-2D6C-428E-B381-27F4EFFD93B5}"/>
+                <a16:creationId xmlns:a16="http://schemas.microsoft.com/office/drawing/2014/main" id="{D8B2CD4B-300E-4C3B-9714-7DE45F2BC089}"/>
               </a:ext>
             </a:extLst>
           </p:cNvPr>
@@ -13674,9 +14176,9 @@
         <p:grpSpPr>
           <a:xfrm>
             <a:off x="1676400" y="1981200"/>
-            <a:ext cx="4419600" cy="4023360"/>
+            <a:ext cx="6019800" cy="4023360"/>
             <a:chOff x="1676400" y="1981200"/>
-            <a:chExt cx="4419600" cy="4023360"/>
+            <a:chExt cx="6019800" cy="4023360"/>
           </a:xfrm>
         </p:grpSpPr>
         <p:sp>
@@ -14362,6 +14864,110 @@
             <a:effectLst/>
           </p:spPr>
         </p:cxnSp>
+        <p:sp>
+          <p:nvSpPr>
+            <p:cNvPr id="24" name="Right Brace 23">
+              <a:extLst>
+                <a:ext uri="{FF2B5EF4-FFF2-40B4-BE49-F238E27FC236}">
+                  <a16:creationId xmlns:a16="http://schemas.microsoft.com/office/drawing/2014/main" id="{6C97930C-E16A-47DE-8EB8-70D14A1B782A}"/>
+                </a:ext>
+              </a:extLst>
+            </p:cNvPr>
+            <p:cNvSpPr/>
+            <p:nvPr/>
+          </p:nvSpPr>
+          <p:spPr bwMode="auto">
+            <a:xfrm>
+              <a:off x="5867400" y="3080450"/>
+              <a:ext cx="152400" cy="731520"/>
+            </a:xfrm>
+            <a:prstGeom prst="rightBrace">
+              <a:avLst/>
+            </a:prstGeom>
+            <a:noFill/>
+            <a:ln w="9525" cap="flat" cmpd="sng" algn="ctr">
+              <a:solidFill>
+                <a:schemeClr val="tx1"/>
+              </a:solidFill>
+              <a:prstDash val="solid"/>
+              <a:round/>
+              <a:headEnd type="none" w="med" len="med"/>
+              <a:tailEnd type="none" w="med" len="med"/>
+            </a:ln>
+            <a:effectLst/>
+          </p:spPr>
+          <p:txBody>
+            <a:bodyPr vert="horz" wrap="none" lIns="92075" tIns="46038" rIns="92075" bIns="46038" numCol="1" rtlCol="0" anchor="ctr" anchorCtr="0" compatLnSpc="1">
+              <a:prstTxWarp prst="textNoShape">
+                <a:avLst/>
+              </a:prstTxWarp>
+            </a:bodyPr>
+            <a:lstStyle/>
+            <a:p>
+              <a:pPr marL="0" marR="0" indent="0" algn="ctr" defTabSz="914400" rtl="0" eaLnBrk="0" fontAlgn="base" latinLnBrk="0" hangingPunct="0">
+                <a:lnSpc>
+                  <a:spcPct val="100000"/>
+                </a:lnSpc>
+                <a:spcBef>
+                  <a:spcPct val="0"/>
+                </a:spcBef>
+                <a:spcAft>
+                  <a:spcPct val="0"/>
+                </a:spcAft>
+                <a:buClrTx/>
+                <a:buSzTx/>
+                <a:buFontTx/>
+                <a:buNone/>
+                <a:tabLst/>
+              </a:pPr>
+              <a:endParaRPr kumimoji="0" lang="en-US" sz="2400" b="0" i="0" u="none" strike="noStrike" cap="none" normalizeH="0" baseline="0">
+                <a:ln>
+                  <a:noFill/>
+                </a:ln>
+                <a:solidFill>
+                  <a:schemeClr val="tx1"/>
+                </a:solidFill>
+                <a:effectLst/>
+                <a:latin typeface="Arial" charset="0"/>
+              </a:endParaRPr>
+            </a:p>
+          </p:txBody>
+        </p:sp>
+        <p:sp>
+          <p:nvSpPr>
+            <p:cNvPr id="25" name="TextBox 24">
+              <a:extLst>
+                <a:ext uri="{FF2B5EF4-FFF2-40B4-BE49-F238E27FC236}">
+                  <a16:creationId xmlns:a16="http://schemas.microsoft.com/office/drawing/2014/main" id="{5B9499AD-7C9D-46BE-B823-89EA63D09137}"/>
+                </a:ext>
+              </a:extLst>
+            </p:cNvPr>
+            <p:cNvSpPr txBox="1"/>
+            <p:nvPr/>
+          </p:nvSpPr>
+          <p:spPr>
+            <a:xfrm>
+              <a:off x="6011123" y="3261544"/>
+              <a:ext cx="1685077" cy="369332"/>
+            </a:xfrm>
+            <a:prstGeom prst="rect">
+              <a:avLst/>
+            </a:prstGeom>
+            <a:noFill/>
+          </p:spPr>
+          <p:txBody>
+            <a:bodyPr wrap="none" rtlCol="0">
+              <a:spAutoFit/>
+            </a:bodyPr>
+            <a:lstStyle/>
+            <a:p>
+              <a:r>
+                <a:rPr lang="en-US" sz="1800" dirty="0"/>
+                <a:t>temporary part</a:t>
+              </a:r>
+            </a:p>
+          </p:txBody>
+        </p:sp>
       </p:grpSp>
     </p:spTree>
     <p:extLst>
@@ -14512,10 +15118,10 @@
       </p:sp>
       <p:grpSp>
         <p:nvGrpSpPr>
-          <p:cNvPr id="7" name="Group 6">
+          <p:cNvPr id="3" name="Group 2">
             <a:extLst>
               <a:ext uri="{FF2B5EF4-FFF2-40B4-BE49-F238E27FC236}">
-                <a16:creationId xmlns:a16="http://schemas.microsoft.com/office/drawing/2014/main" id="{BB8BF56F-6CCE-4863-B102-CDFF90F6F7DF}"/>
+                <a16:creationId xmlns:a16="http://schemas.microsoft.com/office/drawing/2014/main" id="{1EFBBD1F-0C68-4E97-8EAF-0E32C999FD0A}"/>
               </a:ext>
             </a:extLst>
           </p:cNvPr>
@@ -14525,9 +15131,9 @@
         <p:grpSpPr>
           <a:xfrm>
             <a:off x="1676400" y="1981200"/>
-            <a:ext cx="4419600" cy="4023360"/>
+            <a:ext cx="6019800" cy="4023360"/>
             <a:chOff x="1676400" y="1981200"/>
-            <a:chExt cx="4419600" cy="4023360"/>
+            <a:chExt cx="6019800" cy="4023360"/>
           </a:xfrm>
         </p:grpSpPr>
         <p:sp>
@@ -15291,6 +15897,110 @@
             <a:effectLst/>
           </p:spPr>
         </p:cxnSp>
+        <p:sp>
+          <p:nvSpPr>
+            <p:cNvPr id="26" name="Right Brace 25">
+              <a:extLst>
+                <a:ext uri="{FF2B5EF4-FFF2-40B4-BE49-F238E27FC236}">
+                  <a16:creationId xmlns:a16="http://schemas.microsoft.com/office/drawing/2014/main" id="{442584E8-A3AD-40B6-ACB2-0D770F249866}"/>
+                </a:ext>
+              </a:extLst>
+            </p:cNvPr>
+            <p:cNvSpPr/>
+            <p:nvPr/>
+          </p:nvSpPr>
+          <p:spPr bwMode="auto">
+            <a:xfrm>
+              <a:off x="5867400" y="3080450"/>
+              <a:ext cx="152400" cy="1097280"/>
+            </a:xfrm>
+            <a:prstGeom prst="rightBrace">
+              <a:avLst/>
+            </a:prstGeom>
+            <a:noFill/>
+            <a:ln w="9525" cap="flat" cmpd="sng" algn="ctr">
+              <a:solidFill>
+                <a:schemeClr val="tx1"/>
+              </a:solidFill>
+              <a:prstDash val="solid"/>
+              <a:round/>
+              <a:headEnd type="none" w="med" len="med"/>
+              <a:tailEnd type="none" w="med" len="med"/>
+            </a:ln>
+            <a:effectLst/>
+          </p:spPr>
+          <p:txBody>
+            <a:bodyPr vert="horz" wrap="none" lIns="92075" tIns="46038" rIns="92075" bIns="46038" numCol="1" rtlCol="0" anchor="ctr" anchorCtr="0" compatLnSpc="1">
+              <a:prstTxWarp prst="textNoShape">
+                <a:avLst/>
+              </a:prstTxWarp>
+            </a:bodyPr>
+            <a:lstStyle/>
+            <a:p>
+              <a:pPr marL="0" marR="0" indent="0" algn="ctr" defTabSz="914400" rtl="0" eaLnBrk="0" fontAlgn="base" latinLnBrk="0" hangingPunct="0">
+                <a:lnSpc>
+                  <a:spcPct val="100000"/>
+                </a:lnSpc>
+                <a:spcBef>
+                  <a:spcPct val="0"/>
+                </a:spcBef>
+                <a:spcAft>
+                  <a:spcPct val="0"/>
+                </a:spcAft>
+                <a:buClrTx/>
+                <a:buSzTx/>
+                <a:buFontTx/>
+                <a:buNone/>
+                <a:tabLst/>
+              </a:pPr>
+              <a:endParaRPr kumimoji="0" lang="en-US" sz="2400" b="0" i="0" u="none" strike="noStrike" cap="none" normalizeH="0" baseline="0">
+                <a:ln>
+                  <a:noFill/>
+                </a:ln>
+                <a:solidFill>
+                  <a:schemeClr val="tx1"/>
+                </a:solidFill>
+                <a:effectLst/>
+                <a:latin typeface="Arial" charset="0"/>
+              </a:endParaRPr>
+            </a:p>
+          </p:txBody>
+        </p:sp>
+        <p:sp>
+          <p:nvSpPr>
+            <p:cNvPr id="27" name="TextBox 26">
+              <a:extLst>
+                <a:ext uri="{FF2B5EF4-FFF2-40B4-BE49-F238E27FC236}">
+                  <a16:creationId xmlns:a16="http://schemas.microsoft.com/office/drawing/2014/main" id="{B39C4CAD-1E85-4386-A13F-43104C6853AB}"/>
+                </a:ext>
+              </a:extLst>
+            </p:cNvPr>
+            <p:cNvSpPr txBox="1"/>
+            <p:nvPr/>
+          </p:nvSpPr>
+          <p:spPr>
+            <a:xfrm>
+              <a:off x="6011123" y="3444424"/>
+              <a:ext cx="1685077" cy="369332"/>
+            </a:xfrm>
+            <a:prstGeom prst="rect">
+              <a:avLst/>
+            </a:prstGeom>
+            <a:noFill/>
+          </p:spPr>
+          <p:txBody>
+            <a:bodyPr wrap="none" rtlCol="0">
+              <a:spAutoFit/>
+            </a:bodyPr>
+            <a:lstStyle/>
+            <a:p>
+              <a:r>
+                <a:rPr lang="en-US" sz="1800" dirty="0"/>
+                <a:t>temporary part</a:t>
+              </a:r>
+            </a:p>
+          </p:txBody>
+        </p:sp>
       </p:grpSp>
     </p:spTree>
     <p:extLst>
@@ -15441,10 +16151,10 @@
       </p:sp>
       <p:grpSp>
         <p:nvGrpSpPr>
-          <p:cNvPr id="7" name="Group 6">
+          <p:cNvPr id="3" name="Group 2">
             <a:extLst>
               <a:ext uri="{FF2B5EF4-FFF2-40B4-BE49-F238E27FC236}">
-                <a16:creationId xmlns:a16="http://schemas.microsoft.com/office/drawing/2014/main" id="{01E83BD7-9DA2-48A2-866C-F78E751093FB}"/>
+                <a16:creationId xmlns:a16="http://schemas.microsoft.com/office/drawing/2014/main" id="{C76E92D2-5EE6-4911-ACDC-BB25B6F41DC2}"/>
               </a:ext>
             </a:extLst>
           </p:cNvPr>
@@ -15454,9 +16164,9 @@
         <p:grpSpPr>
           <a:xfrm>
             <a:off x="1676400" y="1981200"/>
-            <a:ext cx="4419600" cy="4023360"/>
+            <a:ext cx="6019800" cy="4023360"/>
             <a:chOff x="1676400" y="1981200"/>
-            <a:chExt cx="4419600" cy="4023360"/>
+            <a:chExt cx="6019800" cy="4023360"/>
           </a:xfrm>
         </p:grpSpPr>
         <p:sp>
@@ -16220,6 +16930,110 @@
             <a:effectLst/>
           </p:spPr>
         </p:cxnSp>
+        <p:sp>
+          <p:nvSpPr>
+            <p:cNvPr id="26" name="Right Brace 25">
+              <a:extLst>
+                <a:ext uri="{FF2B5EF4-FFF2-40B4-BE49-F238E27FC236}">
+                  <a16:creationId xmlns:a16="http://schemas.microsoft.com/office/drawing/2014/main" id="{02EAEFFE-D2EE-4265-967C-3FC93ABF6C05}"/>
+                </a:ext>
+              </a:extLst>
+            </p:cNvPr>
+            <p:cNvSpPr/>
+            <p:nvPr/>
+          </p:nvSpPr>
+          <p:spPr bwMode="auto">
+            <a:xfrm>
+              <a:off x="5867400" y="3080450"/>
+              <a:ext cx="152400" cy="1097280"/>
+            </a:xfrm>
+            <a:prstGeom prst="rightBrace">
+              <a:avLst/>
+            </a:prstGeom>
+            <a:noFill/>
+            <a:ln w="9525" cap="flat" cmpd="sng" algn="ctr">
+              <a:solidFill>
+                <a:schemeClr val="tx1"/>
+              </a:solidFill>
+              <a:prstDash val="solid"/>
+              <a:round/>
+              <a:headEnd type="none" w="med" len="med"/>
+              <a:tailEnd type="none" w="med" len="med"/>
+            </a:ln>
+            <a:effectLst/>
+          </p:spPr>
+          <p:txBody>
+            <a:bodyPr vert="horz" wrap="none" lIns="92075" tIns="46038" rIns="92075" bIns="46038" numCol="1" rtlCol="0" anchor="ctr" anchorCtr="0" compatLnSpc="1">
+              <a:prstTxWarp prst="textNoShape">
+                <a:avLst/>
+              </a:prstTxWarp>
+            </a:bodyPr>
+            <a:lstStyle/>
+            <a:p>
+              <a:pPr marL="0" marR="0" indent="0" algn="ctr" defTabSz="914400" rtl="0" eaLnBrk="0" fontAlgn="base" latinLnBrk="0" hangingPunct="0">
+                <a:lnSpc>
+                  <a:spcPct val="100000"/>
+                </a:lnSpc>
+                <a:spcBef>
+                  <a:spcPct val="0"/>
+                </a:spcBef>
+                <a:spcAft>
+                  <a:spcPct val="0"/>
+                </a:spcAft>
+                <a:buClrTx/>
+                <a:buSzTx/>
+                <a:buFontTx/>
+                <a:buNone/>
+                <a:tabLst/>
+              </a:pPr>
+              <a:endParaRPr kumimoji="0" lang="en-US" sz="2400" b="0" i="0" u="none" strike="noStrike" cap="none" normalizeH="0" baseline="0">
+                <a:ln>
+                  <a:noFill/>
+                </a:ln>
+                <a:solidFill>
+                  <a:schemeClr val="tx1"/>
+                </a:solidFill>
+                <a:effectLst/>
+                <a:latin typeface="Arial" charset="0"/>
+              </a:endParaRPr>
+            </a:p>
+          </p:txBody>
+        </p:sp>
+        <p:sp>
+          <p:nvSpPr>
+            <p:cNvPr id="27" name="TextBox 26">
+              <a:extLst>
+                <a:ext uri="{FF2B5EF4-FFF2-40B4-BE49-F238E27FC236}">
+                  <a16:creationId xmlns:a16="http://schemas.microsoft.com/office/drawing/2014/main" id="{7B883857-8DE5-4825-8357-4927F7630A9C}"/>
+                </a:ext>
+              </a:extLst>
+            </p:cNvPr>
+            <p:cNvSpPr txBox="1"/>
+            <p:nvPr/>
+          </p:nvSpPr>
+          <p:spPr>
+            <a:xfrm>
+              <a:off x="6011123" y="3444424"/>
+              <a:ext cx="1685077" cy="369332"/>
+            </a:xfrm>
+            <a:prstGeom prst="rect">
+              <a:avLst/>
+            </a:prstGeom>
+            <a:noFill/>
+          </p:spPr>
+          <p:txBody>
+            <a:bodyPr wrap="none" rtlCol="0">
+              <a:spAutoFit/>
+            </a:bodyPr>
+            <a:lstStyle/>
+            <a:p>
+              <a:r>
+                <a:rPr lang="en-US" sz="1800" dirty="0"/>
+                <a:t>temporary part</a:t>
+              </a:r>
+            </a:p>
+          </p:txBody>
+        </p:sp>
       </p:grpSp>
     </p:spTree>
     <p:extLst>
@@ -16370,10 +17184,10 @@
       </p:sp>
       <p:grpSp>
         <p:nvGrpSpPr>
-          <p:cNvPr id="8" name="Group 7">
+          <p:cNvPr id="3" name="Group 2">
             <a:extLst>
               <a:ext uri="{FF2B5EF4-FFF2-40B4-BE49-F238E27FC236}">
-                <a16:creationId xmlns:a16="http://schemas.microsoft.com/office/drawing/2014/main" id="{5828A409-1342-4898-88B7-89A5CFDC28A3}"/>
+                <a16:creationId xmlns:a16="http://schemas.microsoft.com/office/drawing/2014/main" id="{567C2334-23BC-49FA-BD6A-65ACEBD5BDC1}"/>
               </a:ext>
             </a:extLst>
           </p:cNvPr>
@@ -16383,9 +17197,9 @@
         <p:grpSpPr>
           <a:xfrm>
             <a:off x="1676400" y="1981200"/>
-            <a:ext cx="4419600" cy="4023360"/>
+            <a:ext cx="6019800" cy="4023360"/>
             <a:chOff x="1676400" y="1981200"/>
-            <a:chExt cx="4419600" cy="4023360"/>
+            <a:chExt cx="6019800" cy="4023360"/>
           </a:xfrm>
         </p:grpSpPr>
         <p:sp>
@@ -17071,6 +17885,110 @@
             <a:effectLst/>
           </p:spPr>
         </p:cxnSp>
+        <p:sp>
+          <p:nvSpPr>
+            <p:cNvPr id="24" name="Right Brace 23">
+              <a:extLst>
+                <a:ext uri="{FF2B5EF4-FFF2-40B4-BE49-F238E27FC236}">
+                  <a16:creationId xmlns:a16="http://schemas.microsoft.com/office/drawing/2014/main" id="{5C755604-6F0A-4EB3-8702-6AB6E41E6E61}"/>
+                </a:ext>
+              </a:extLst>
+            </p:cNvPr>
+            <p:cNvSpPr/>
+            <p:nvPr/>
+          </p:nvSpPr>
+          <p:spPr bwMode="auto">
+            <a:xfrm>
+              <a:off x="5867400" y="3080450"/>
+              <a:ext cx="152400" cy="731520"/>
+            </a:xfrm>
+            <a:prstGeom prst="rightBrace">
+              <a:avLst/>
+            </a:prstGeom>
+            <a:noFill/>
+            <a:ln w="9525" cap="flat" cmpd="sng" algn="ctr">
+              <a:solidFill>
+                <a:schemeClr val="tx1"/>
+              </a:solidFill>
+              <a:prstDash val="solid"/>
+              <a:round/>
+              <a:headEnd type="none" w="med" len="med"/>
+              <a:tailEnd type="none" w="med" len="med"/>
+            </a:ln>
+            <a:effectLst/>
+          </p:spPr>
+          <p:txBody>
+            <a:bodyPr vert="horz" wrap="none" lIns="92075" tIns="46038" rIns="92075" bIns="46038" numCol="1" rtlCol="0" anchor="ctr" anchorCtr="0" compatLnSpc="1">
+              <a:prstTxWarp prst="textNoShape">
+                <a:avLst/>
+              </a:prstTxWarp>
+            </a:bodyPr>
+            <a:lstStyle/>
+            <a:p>
+              <a:pPr marL="0" marR="0" indent="0" algn="ctr" defTabSz="914400" rtl="0" eaLnBrk="0" fontAlgn="base" latinLnBrk="0" hangingPunct="0">
+                <a:lnSpc>
+                  <a:spcPct val="100000"/>
+                </a:lnSpc>
+                <a:spcBef>
+                  <a:spcPct val="0"/>
+                </a:spcBef>
+                <a:spcAft>
+                  <a:spcPct val="0"/>
+                </a:spcAft>
+                <a:buClrTx/>
+                <a:buSzTx/>
+                <a:buFontTx/>
+                <a:buNone/>
+                <a:tabLst/>
+              </a:pPr>
+              <a:endParaRPr kumimoji="0" lang="en-US" sz="2400" b="0" i="0" u="none" strike="noStrike" cap="none" normalizeH="0" baseline="0">
+                <a:ln>
+                  <a:noFill/>
+                </a:ln>
+                <a:solidFill>
+                  <a:schemeClr val="tx1"/>
+                </a:solidFill>
+                <a:effectLst/>
+                <a:latin typeface="Arial" charset="0"/>
+              </a:endParaRPr>
+            </a:p>
+          </p:txBody>
+        </p:sp>
+        <p:sp>
+          <p:nvSpPr>
+            <p:cNvPr id="25" name="TextBox 24">
+              <a:extLst>
+                <a:ext uri="{FF2B5EF4-FFF2-40B4-BE49-F238E27FC236}">
+                  <a16:creationId xmlns:a16="http://schemas.microsoft.com/office/drawing/2014/main" id="{F6298E95-9D16-4389-B3BB-14EA5A5B1235}"/>
+                </a:ext>
+              </a:extLst>
+            </p:cNvPr>
+            <p:cNvSpPr txBox="1"/>
+            <p:nvPr/>
+          </p:nvSpPr>
+          <p:spPr>
+            <a:xfrm>
+              <a:off x="6011123" y="3261544"/>
+              <a:ext cx="1685077" cy="369332"/>
+            </a:xfrm>
+            <a:prstGeom prst="rect">
+              <a:avLst/>
+            </a:prstGeom>
+            <a:noFill/>
+          </p:spPr>
+          <p:txBody>
+            <a:bodyPr wrap="none" rtlCol="0">
+              <a:spAutoFit/>
+            </a:bodyPr>
+            <a:lstStyle/>
+            <a:p>
+              <a:r>
+                <a:rPr lang="en-US" sz="1800" dirty="0"/>
+                <a:t>temporary part</a:t>
+              </a:r>
+            </a:p>
+          </p:txBody>
+        </p:sp>
       </p:grpSp>
     </p:spTree>
     <p:extLst>
@@ -17219,105 +18137,12 @@
           </a:p>
         </p:txBody>
       </p:sp>
-      <p:sp>
-        <p:nvSpPr>
-          <p:cNvPr id="8" name="TextBox 7">
+      <p:grpSp>
+        <p:nvGrpSpPr>
+          <p:cNvPr id="3" name="Group 2">
             <a:extLst>
               <a:ext uri="{FF2B5EF4-FFF2-40B4-BE49-F238E27FC236}">
-                <a16:creationId xmlns:a16="http://schemas.microsoft.com/office/drawing/2014/main" id="{53B4693E-5CE5-46F9-91CA-18B392465704}"/>
-              </a:ext>
-            </a:extLst>
-          </p:cNvPr>
-          <p:cNvSpPr txBox="1"/>
-          <p:nvPr/>
-        </p:nvSpPr>
-        <p:spPr>
-          <a:xfrm>
-            <a:off x="1981200" y="3733800"/>
-            <a:ext cx="954107" cy="923330"/>
-          </a:xfrm>
-          <a:prstGeom prst="rect">
-            <a:avLst/>
-          </a:prstGeom>
-          <a:noFill/>
-        </p:spPr>
-        <p:txBody>
-          <a:bodyPr wrap="none" rtlCol="0">
-            <a:spAutoFit/>
-          </a:bodyPr>
-          <a:lstStyle/>
-          <a:p>
-            <a:pPr algn="l"/>
-            <a:r>
-              <a:rPr lang="en-US" sz="1800" dirty="0"/>
-              <a:t>stack is</a:t>
-            </a:r>
-          </a:p>
-          <a:p>
-            <a:pPr algn="l"/>
-            <a:r>
-              <a:rPr lang="en-US" sz="1800" dirty="0"/>
-              <a:t>empty</a:t>
-            </a:r>
-          </a:p>
-          <a:p>
-            <a:pPr algn="l"/>
-            <a:r>
-              <a:rPr lang="en-US" sz="1800" dirty="0"/>
-              <a:t>again</a:t>
-            </a:r>
-          </a:p>
-        </p:txBody>
-      </p:sp>
-      <p:sp>
-        <p:nvSpPr>
-          <p:cNvPr id="9" name="TextBox 8">
-            <a:extLst>
-              <a:ext uri="{FF2B5EF4-FFF2-40B4-BE49-F238E27FC236}">
-                <a16:creationId xmlns:a16="http://schemas.microsoft.com/office/drawing/2014/main" id="{802F895B-5A05-4C4B-9383-74D468790203}"/>
-              </a:ext>
-            </a:extLst>
-          </p:cNvPr>
-          <p:cNvSpPr txBox="1"/>
-          <p:nvPr/>
-        </p:nvSpPr>
-        <p:spPr>
-          <a:xfrm>
-            <a:off x="6346839" y="1877696"/>
-            <a:ext cx="1441420" cy="646331"/>
-          </a:xfrm>
-          <a:prstGeom prst="rect">
-            <a:avLst/>
-          </a:prstGeom>
-          <a:noFill/>
-        </p:spPr>
-        <p:txBody>
-          <a:bodyPr wrap="none" rtlCol="0">
-            <a:spAutoFit/>
-          </a:bodyPr>
-          <a:lstStyle/>
-          <a:p>
-            <a:pPr algn="l"/>
-            <a:r>
-              <a:rPr lang="en-US" sz="1800" dirty="0"/>
-              <a:t>x  now has</a:t>
-            </a:r>
-          </a:p>
-          <a:p>
-            <a:pPr algn="l"/>
-            <a:r>
-              <a:rPr lang="en-US" sz="1800" dirty="0"/>
-              <a:t>the value 23</a:t>
-            </a:r>
-          </a:p>
-        </p:txBody>
-      </p:sp>
-      <p:grpSp>
-        <p:nvGrpSpPr>
-          <p:cNvPr id="26" name="Group 25">
-            <a:extLst>
-              <a:ext uri="{FF2B5EF4-FFF2-40B4-BE49-F238E27FC236}">
-                <a16:creationId xmlns:a16="http://schemas.microsoft.com/office/drawing/2014/main" id="{03459A83-503F-407C-BD12-02A1FFC989A8}"/>
+                <a16:creationId xmlns:a16="http://schemas.microsoft.com/office/drawing/2014/main" id="{9D929828-9981-458C-81DD-6CC5FA050961}"/>
               </a:ext>
             </a:extLst>
           </p:cNvPr>
@@ -17326,12 +18151,55 @@
         </p:nvGrpSpPr>
         <p:grpSpPr>
           <a:xfrm>
-            <a:off x="1676400" y="1981200"/>
-            <a:ext cx="4419600" cy="4023360"/>
-            <a:chOff x="1676400" y="1981200"/>
-            <a:chExt cx="4419600" cy="4023360"/>
+            <a:off x="1676400" y="1877696"/>
+            <a:ext cx="6111859" cy="4126864"/>
+            <a:chOff x="1676400" y="1877696"/>
+            <a:chExt cx="6111859" cy="4126864"/>
           </a:xfrm>
         </p:grpSpPr>
+        <p:sp>
+          <p:nvSpPr>
+            <p:cNvPr id="9" name="TextBox 8">
+              <a:extLst>
+                <a:ext uri="{FF2B5EF4-FFF2-40B4-BE49-F238E27FC236}">
+                  <a16:creationId xmlns:a16="http://schemas.microsoft.com/office/drawing/2014/main" id="{802F895B-5A05-4C4B-9383-74D468790203}"/>
+                </a:ext>
+              </a:extLst>
+            </p:cNvPr>
+            <p:cNvSpPr txBox="1"/>
+            <p:nvPr/>
+          </p:nvSpPr>
+          <p:spPr>
+            <a:xfrm>
+              <a:off x="6346839" y="1877696"/>
+              <a:ext cx="1441420" cy="646331"/>
+            </a:xfrm>
+            <a:prstGeom prst="rect">
+              <a:avLst/>
+            </a:prstGeom>
+            <a:noFill/>
+          </p:spPr>
+          <p:txBody>
+            <a:bodyPr wrap="none" rtlCol="0">
+              <a:spAutoFit/>
+            </a:bodyPr>
+            <a:lstStyle/>
+            <a:p>
+              <a:pPr algn="l"/>
+              <a:r>
+                <a:rPr lang="en-US" sz="1800" dirty="0"/>
+                <a:t>x  now has</a:t>
+              </a:r>
+            </a:p>
+            <a:p>
+              <a:pPr algn="l"/>
+              <a:r>
+                <a:rPr lang="en-US" sz="1800" dirty="0"/>
+                <a:t>the value 23</a:t>
+              </a:r>
+            </a:p>
+          </p:txBody>
+        </p:sp>
         <p:sp>
           <p:nvSpPr>
             <p:cNvPr id="10" name="Rectangle 4">
@@ -17862,6 +18730,49 @@
             <a:effectLst/>
           </p:spPr>
         </p:cxnSp>
+        <p:sp>
+          <p:nvSpPr>
+            <p:cNvPr id="22" name="TextBox 21">
+              <a:extLst>
+                <a:ext uri="{FF2B5EF4-FFF2-40B4-BE49-F238E27FC236}">
+                  <a16:creationId xmlns:a16="http://schemas.microsoft.com/office/drawing/2014/main" id="{ECE37F1D-BB79-4947-BEDC-232DDEE7386E}"/>
+                </a:ext>
+              </a:extLst>
+            </p:cNvPr>
+            <p:cNvSpPr txBox="1"/>
+            <p:nvPr/>
+          </p:nvSpPr>
+          <p:spPr>
+            <a:xfrm>
+              <a:off x="5791200" y="3113809"/>
+              <a:ext cx="1685077" cy="646331"/>
+            </a:xfrm>
+            <a:prstGeom prst="rect">
+              <a:avLst/>
+            </a:prstGeom>
+            <a:noFill/>
+          </p:spPr>
+          <p:txBody>
+            <a:bodyPr wrap="none" rtlCol="0">
+              <a:spAutoFit/>
+            </a:bodyPr>
+            <a:lstStyle/>
+            <a:p>
+              <a:pPr algn="l"/>
+              <a:r>
+                <a:rPr lang="en-US" sz="1800" dirty="0"/>
+                <a:t>temporary part</a:t>
+              </a:r>
+            </a:p>
+            <a:p>
+              <a:pPr algn="l"/>
+              <a:r>
+                <a:rPr lang="en-US" sz="1800" dirty="0"/>
+                <a:t>is empty again</a:t>
+              </a:r>
+            </a:p>
+          </p:txBody>
+        </p:sp>
       </p:grpSp>
     </p:spTree>
     <p:extLst>

--- a/PowerPoint Slides/10 - CVM.pptx
+++ b/PowerPoint Slides/10 - CVM.pptx
@@ -19095,7 +19095,7 @@
               <a:rPr lang="en-US" dirty="0">
                 <a:cs typeface="Arial" pitchFamily="34" charset="0"/>
               </a:rPr>
-              <a:t>Some instructions take one or two arguments, which are always located in the words immediately following the instruction in memory.</a:t>
+              <a:t>Some instructions take one or two arguments, which are always located in the bytes immediately following the instruction in memory.</a:t>
             </a:r>
           </a:p>
           <a:p>
@@ -19130,7 +19130,19 @@
               <a:rPr lang="en-US" dirty="0">
                 <a:cs typeface="Arial" pitchFamily="34" charset="0"/>
               </a:rPr>
-              <a:t>four bytes (e.g. for an integer or a memory address)</a:t>
+              <a:t>four bytes (e.</a:t>
+            </a:r>
+            <a:r>
+              <a:rPr lang="en-US">
+                <a:cs typeface="Arial" pitchFamily="34" charset="0"/>
+              </a:rPr>
+              <a:t>g., </a:t>
+            </a:r>
+            <a:r>
+              <a:rPr lang="en-US" dirty="0">
+                <a:cs typeface="Arial" pitchFamily="34" charset="0"/>
+              </a:rPr>
+              <a:t>for an integer or a memory address)</a:t>
             </a:r>
           </a:p>
           <a:p>

--- a/PowerPoint Slides/10 - CVM.pptx
+++ b/PowerPoint Slides/10 - CVM.pptx
@@ -19486,7 +19486,19 @@
               <a:rPr lang="en-US" dirty="0">
                 <a:cs typeface="Arial" pitchFamily="34" charset="0"/>
               </a:rPr>
-              <a:t>-1, 0, or 1 back onto the stack depending on whether the first integer is less than, equal to, or greater than the first integer, respectively.</a:t>
+              <a:t>-1, 0, or 1 back onto the stack depending on whether the first integer is less than, equal to, or greater than </a:t>
+            </a:r>
+            <a:r>
+              <a:rPr lang="en-US">
+                <a:cs typeface="Arial" pitchFamily="34" charset="0"/>
+              </a:rPr>
+              <a:t>the second </a:t>
+            </a:r>
+            <a:r>
+              <a:rPr lang="en-US" dirty="0">
+                <a:cs typeface="Arial" pitchFamily="34" charset="0"/>
+              </a:rPr>
+              <a:t>integer, respectively.</a:t>
             </a:r>
           </a:p>
         </p:txBody>
